--- a/일정/01_29.pptx
+++ b/일정/01_29.pptx
@@ -9,6 +9,7 @@
     <p:sldId id="258" r:id="rId3"/>
     <p:sldId id="257" r:id="rId4"/>
     <p:sldId id="259" r:id="rId5"/>
+    <p:sldId id="260" r:id="rId6"/>
   </p:sldIdLst>
   <p:sldSz cx="12192000" cy="6858000"/>
   <p:notesSz cx="6858000" cy="9144000"/>
@@ -107,6 +108,11 @@
       </a:defRPr>
     </a:lvl9pPr>
   </p:defaultTextStyle>
+  <p:extLst>
+    <p:ext uri="{EFAFB233-063F-42B5-8137-9DF3F51BA10A}">
+      <p15:sldGuideLst xmlns:p15="http://schemas.microsoft.com/office/powerpoint/2012/main"/>
+    </p:ext>
+  </p:extLst>
 </p:presentation>
 </file>
 
@@ -3814,6 +3820,271 @@
 </p:sld>
 </file>
 
+<file path=ppt/slides/slide5.xml><?xml version="1.0" encoding="utf-8"?>
+<p:sld xmlns:a="http://schemas.openxmlformats.org/drawingml/2006/main" xmlns:r="http://schemas.openxmlformats.org/officeDocument/2006/relationships" xmlns:p="http://schemas.openxmlformats.org/presentationml/2006/main">
+  <p:cSld>
+    <p:spTree>
+      <p:nvGrpSpPr>
+        <p:cNvPr id="1" name=""/>
+        <p:cNvGrpSpPr/>
+        <p:nvPr/>
+      </p:nvGrpSpPr>
+      <p:grpSpPr>
+        <a:xfrm>
+          <a:off x="0" y="0"/>
+          <a:ext cx="0" cy="0"/>
+          <a:chOff x="0" y="0"/>
+          <a:chExt cx="0" cy="0"/>
+        </a:xfrm>
+      </p:grpSpPr>
+      <p:sp>
+        <p:nvSpPr>
+          <p:cNvPr id="2" name="제목 1"/>
+          <p:cNvSpPr>
+            <a:spLocks noGrp="1"/>
+          </p:cNvSpPr>
+          <p:nvPr>
+            <p:ph type="title"/>
+          </p:nvPr>
+        </p:nvSpPr>
+        <p:spPr/>
+        <p:txBody>
+          <a:bodyPr/>
+          <a:lstStyle/>
+          <a:p>
+            <a:r>
+              <a:rPr lang="en-US" altLang="ko-KR" dirty="0" smtClean="0"/>
+              <a:t>2</a:t>
+            </a:r>
+            <a:r>
+              <a:rPr lang="ko-KR" altLang="en-US" dirty="0" smtClean="0"/>
+              <a:t>차 시연회 피드백</a:t>
+            </a:r>
+            <a:endParaRPr lang="ko-KR" altLang="en-US" dirty="0"/>
+          </a:p>
+        </p:txBody>
+      </p:sp>
+      <p:sp>
+        <p:nvSpPr>
+          <p:cNvPr id="3" name="내용 개체 틀 2"/>
+          <p:cNvSpPr>
+            <a:spLocks noGrp="1"/>
+          </p:cNvSpPr>
+          <p:nvPr>
+            <p:ph idx="1"/>
+          </p:nvPr>
+        </p:nvSpPr>
+        <p:spPr>
+          <a:xfrm>
+            <a:off x="838200" y="819359"/>
+            <a:ext cx="10515600" cy="5052052"/>
+          </a:xfrm>
+        </p:spPr>
+        <p:txBody>
+          <a:bodyPr>
+            <a:normAutofit/>
+          </a:bodyPr>
+          <a:lstStyle/>
+          <a:p>
+            <a:pPr marL="0" indent="0">
+              <a:buNone/>
+            </a:pPr>
+            <a:endParaRPr lang="en-US" altLang="ko-KR" dirty="0" smtClean="0"/>
+          </a:p>
+          <a:p>
+            <a:r>
+              <a:rPr lang="en-US" altLang="ko-KR" dirty="0" smtClean="0"/>
+              <a:t>CRUD</a:t>
+            </a:r>
+          </a:p>
+          <a:p>
+            <a:pPr marL="0" indent="0">
+              <a:buNone/>
+            </a:pPr>
+            <a:r>
+              <a:rPr lang="en-US" altLang="ko-KR" dirty="0"/>
+              <a:t> -</a:t>
+            </a:r>
+            <a:r>
+              <a:rPr lang="ko-KR" altLang="en-US" dirty="0"/>
+              <a:t>목록</a:t>
+            </a:r>
+            <a:r>
+              <a:rPr lang="en-US" altLang="ko-KR" dirty="0"/>
+              <a:t>/</a:t>
+            </a:r>
+            <a:r>
+              <a:rPr lang="ko-KR" altLang="en-US" dirty="0"/>
+              <a:t>상세정보 페이지 이동시 좌우 </a:t>
+            </a:r>
+            <a:r>
+              <a:rPr lang="ko-KR" altLang="en-US" dirty="0" err="1"/>
+              <a:t>스와이프로</a:t>
+            </a:r>
+            <a:r>
+              <a:rPr lang="ko-KR" altLang="en-US" dirty="0"/>
+              <a:t> 화면 전환</a:t>
+            </a:r>
+            <a:endParaRPr lang="en-US" altLang="ko-KR" dirty="0"/>
+          </a:p>
+          <a:p>
+            <a:pPr marL="0" indent="0">
+              <a:buNone/>
+            </a:pPr>
+            <a:r>
+              <a:rPr lang="en-US" altLang="ko-KR" dirty="0"/>
+              <a:t>  -CRUD</a:t>
+            </a:r>
+            <a:r>
+              <a:rPr lang="ko-KR" altLang="en-US" dirty="0"/>
+              <a:t>정렬 어떻게</a:t>
+            </a:r>
+            <a:r>
+              <a:rPr lang="en-US" altLang="ko-KR" dirty="0"/>
+              <a:t>?</a:t>
+            </a:r>
+          </a:p>
+          <a:p>
+            <a:pPr marL="0" indent="0">
+              <a:buNone/>
+            </a:pPr>
+            <a:r>
+              <a:rPr lang="en-US" altLang="ko-KR" dirty="0"/>
+              <a:t>  -</a:t>
+            </a:r>
+            <a:r>
+              <a:rPr lang="ko-KR" altLang="en-US" dirty="0" err="1"/>
+              <a:t>게시글</a:t>
+            </a:r>
+            <a:r>
+              <a:rPr lang="ko-KR" altLang="en-US" dirty="0"/>
+              <a:t> 삭제</a:t>
+            </a:r>
+            <a:r>
+              <a:rPr lang="en-US" altLang="ko-KR" dirty="0"/>
+              <a:t>/</a:t>
+            </a:r>
+            <a:r>
+              <a:rPr lang="ko-KR" altLang="en-US" dirty="0"/>
+              <a:t>수정은 </a:t>
+            </a:r>
+            <a:r>
+              <a:rPr lang="ko-KR" altLang="en-US" dirty="0" smtClean="0"/>
+              <a:t>작성자만</a:t>
+            </a:r>
+            <a:endParaRPr lang="en-US" altLang="ko-KR" dirty="0" smtClean="0"/>
+          </a:p>
+          <a:p>
+            <a:pPr marL="0" indent="0">
+              <a:buNone/>
+            </a:pPr>
+            <a:endParaRPr lang="en-US" altLang="ko-KR" dirty="0"/>
+          </a:p>
+          <a:p>
+            <a:r>
+              <a:rPr lang="ko-KR" altLang="en-US" dirty="0" smtClean="0"/>
+              <a:t>채팅</a:t>
+            </a:r>
+            <a:endParaRPr lang="en-US" altLang="ko-KR" dirty="0" smtClean="0"/>
+          </a:p>
+          <a:p>
+            <a:pPr marL="0" indent="0">
+              <a:buNone/>
+            </a:pPr>
+            <a:r>
+              <a:rPr lang="en-US" altLang="ko-KR" dirty="0"/>
+              <a:t>  </a:t>
+            </a:r>
+            <a:r>
+              <a:rPr lang="en-US" altLang="ko-KR" dirty="0" smtClean="0"/>
+              <a:t>-</a:t>
+            </a:r>
+            <a:r>
+              <a:rPr lang="ko-KR" altLang="en-US" dirty="0" err="1" smtClean="0"/>
+              <a:t>게시글</a:t>
+            </a:r>
+            <a:r>
+              <a:rPr lang="ko-KR" altLang="en-US" dirty="0" smtClean="0"/>
+              <a:t> 삭제 기능</a:t>
+            </a:r>
+            <a:r>
+              <a:rPr lang="en-US" altLang="ko-KR" dirty="0" smtClean="0"/>
+              <a:t>…</a:t>
+            </a:r>
+            <a:r>
+              <a:rPr lang="ko-KR" altLang="en-US" dirty="0" smtClean="0"/>
+              <a:t>을 업데이트</a:t>
+            </a:r>
+            <a:r>
+              <a:rPr lang="en-US" altLang="ko-KR" dirty="0" smtClean="0"/>
+              <a:t>(</a:t>
+            </a:r>
+            <a:r>
+              <a:rPr lang="ko-KR" altLang="en-US" dirty="0" smtClean="0"/>
+              <a:t>버튼 눌러서 투표하는 형식</a:t>
+            </a:r>
+            <a:r>
+              <a:rPr lang="en-US" altLang="ko-KR" dirty="0" smtClean="0"/>
+              <a:t>)</a:t>
+            </a:r>
+            <a:br>
+              <a:rPr lang="en-US" altLang="ko-KR" dirty="0" smtClean="0"/>
+            </a:br>
+            <a:r>
+              <a:rPr lang="en-US" altLang="ko-KR" dirty="0" smtClean="0"/>
+              <a:t>  -</a:t>
+            </a:r>
+            <a:r>
+              <a:rPr lang="ko-KR" altLang="en-US" dirty="0" err="1" smtClean="0"/>
+              <a:t>채팅방이</a:t>
+            </a:r>
+            <a:r>
+              <a:rPr lang="ko-KR" altLang="en-US" dirty="0" smtClean="0"/>
+              <a:t> 데이터 소모가 엄청날 듯 하다</a:t>
+            </a:r>
+            <a:r>
+              <a:rPr lang="en-US" altLang="ko-KR" dirty="0" smtClean="0"/>
+              <a:t>… </a:t>
+            </a:r>
+            <a:r>
+              <a:rPr lang="ko-KR" altLang="en-US" dirty="0" smtClean="0"/>
+              <a:t>캐시 이미지 </a:t>
+            </a:r>
+            <a:r>
+              <a:rPr lang="en-US" altLang="ko-KR" dirty="0" smtClean="0"/>
+              <a:t>+ </a:t>
+            </a:r>
+            <a:r>
+              <a:rPr lang="ko-KR" altLang="en-US" dirty="0" smtClean="0"/>
+              <a:t>들어오기 이전에 전송되었던 메시지는 보기 </a:t>
+            </a:r>
+            <a:r>
+              <a:rPr lang="en-US" altLang="ko-KR" smtClean="0"/>
+              <a:t>x..</a:t>
+            </a:r>
+            <a:endParaRPr lang="en-US" altLang="ko-KR" dirty="0" smtClean="0"/>
+          </a:p>
+          <a:p>
+            <a:pPr marL="0" indent="0">
+              <a:buNone/>
+            </a:pPr>
+            <a:endParaRPr lang="en-US" altLang="ko-KR" dirty="0"/>
+          </a:p>
+        </p:txBody>
+      </p:sp>
+    </p:spTree>
+    <p:extLst>
+      <p:ext uri="{BB962C8B-B14F-4D97-AF65-F5344CB8AC3E}">
+        <p14:creationId xmlns:p14="http://schemas.microsoft.com/office/powerpoint/2010/main" val="42509757"/>
+      </p:ext>
+    </p:extLst>
+  </p:cSld>
+  <p:clrMapOvr>
+    <a:masterClrMapping/>
+  </p:clrMapOvr>
+</p:sld>
+</file>
+
 <file path=ppt/theme/theme1.xml><?xml version="1.0" encoding="utf-8"?>
 <a:theme xmlns:a="http://schemas.openxmlformats.org/drawingml/2006/main" name="Office 테마">
   <a:themeElements>
